--- a/Chap1_IoT2_PDS.pptx
+++ b/Chap1_IoT2_PDS.pptx
@@ -212,7 +212,7 @@
           <a:p>
             <a:fld id="{E3AAD89A-DE75-490E-B3B8-DA645685EB5B}" type="datetimeFigureOut">
               <a:rPr lang="en-US" smtClean="0"/>
-              <a:t>8/26/2024</a:t>
+              <a:t>9/11/2025</a:t>
             </a:fld>
             <a:endParaRPr lang="en-US"/>
           </a:p>
@@ -2176,7 +2176,7 @@
           <a:p>
             <a:fld id="{B6D41BCC-AD73-4203-A5A6-E62EB28B0FE6}" type="datetimeFigureOut">
               <a:rPr lang="en-US" smtClean="0"/>
-              <a:t>8/26/2024</a:t>
+              <a:t>9/11/2025</a:t>
             </a:fld>
             <a:endParaRPr lang="en-US"/>
           </a:p>
@@ -2346,7 +2346,7 @@
           <a:p>
             <a:fld id="{B6D41BCC-AD73-4203-A5A6-E62EB28B0FE6}" type="datetimeFigureOut">
               <a:rPr lang="en-US" smtClean="0"/>
-              <a:t>8/26/2024</a:t>
+              <a:t>9/11/2025</a:t>
             </a:fld>
             <a:endParaRPr lang="en-US"/>
           </a:p>
@@ -2526,7 +2526,7 @@
           <a:p>
             <a:fld id="{B6D41BCC-AD73-4203-A5A6-E62EB28B0FE6}" type="datetimeFigureOut">
               <a:rPr lang="en-US" smtClean="0"/>
-              <a:t>8/26/2024</a:t>
+              <a:t>9/11/2025</a:t>
             </a:fld>
             <a:endParaRPr lang="en-US"/>
           </a:p>
@@ -3161,7 +3161,7 @@
           <a:p>
             <a:fld id="{B6D41BCC-AD73-4203-A5A6-E62EB28B0FE6}" type="datetimeFigureOut">
               <a:rPr lang="en-US" smtClean="0"/>
-              <a:t>8/26/2024</a:t>
+              <a:t>9/11/2025</a:t>
             </a:fld>
             <a:endParaRPr lang="en-US"/>
           </a:p>
@@ -3407,7 +3407,7 @@
           <a:p>
             <a:fld id="{B6D41BCC-AD73-4203-A5A6-E62EB28B0FE6}" type="datetimeFigureOut">
               <a:rPr lang="en-US" smtClean="0"/>
-              <a:t>8/26/2024</a:t>
+              <a:t>9/11/2025</a:t>
             </a:fld>
             <a:endParaRPr lang="en-US"/>
           </a:p>
@@ -3639,7 +3639,7 @@
           <a:p>
             <a:fld id="{B6D41BCC-AD73-4203-A5A6-E62EB28B0FE6}" type="datetimeFigureOut">
               <a:rPr lang="en-US" smtClean="0"/>
-              <a:t>8/26/2024</a:t>
+              <a:t>9/11/2025</a:t>
             </a:fld>
             <a:endParaRPr lang="en-US"/>
           </a:p>
@@ -4006,7 +4006,7 @@
           <a:p>
             <a:fld id="{B6D41BCC-AD73-4203-A5A6-E62EB28B0FE6}" type="datetimeFigureOut">
               <a:rPr lang="en-US" smtClean="0"/>
-              <a:t>8/26/2024</a:t>
+              <a:t>9/11/2025</a:t>
             </a:fld>
             <a:endParaRPr lang="en-US"/>
           </a:p>
@@ -4124,7 +4124,7 @@
           <a:p>
             <a:fld id="{B6D41BCC-AD73-4203-A5A6-E62EB28B0FE6}" type="datetimeFigureOut">
               <a:rPr lang="en-US" smtClean="0"/>
-              <a:t>8/26/2024</a:t>
+              <a:t>9/11/2025</a:t>
             </a:fld>
             <a:endParaRPr lang="en-US"/>
           </a:p>
@@ -4219,7 +4219,7 @@
           <a:p>
             <a:fld id="{B6D41BCC-AD73-4203-A5A6-E62EB28B0FE6}" type="datetimeFigureOut">
               <a:rPr lang="en-US" smtClean="0"/>
-              <a:t>8/26/2024</a:t>
+              <a:t>9/11/2025</a:t>
             </a:fld>
             <a:endParaRPr lang="en-US"/>
           </a:p>
@@ -4496,7 +4496,7 @@
           <a:p>
             <a:fld id="{B6D41BCC-AD73-4203-A5A6-E62EB28B0FE6}" type="datetimeFigureOut">
               <a:rPr lang="en-US" smtClean="0"/>
-              <a:t>8/26/2024</a:t>
+              <a:t>9/11/2025</a:t>
             </a:fld>
             <a:endParaRPr lang="en-US"/>
           </a:p>
@@ -4749,7 +4749,7 @@
           <a:p>
             <a:fld id="{B6D41BCC-AD73-4203-A5A6-E62EB28B0FE6}" type="datetimeFigureOut">
               <a:rPr lang="en-US" smtClean="0"/>
-              <a:t>8/26/2024</a:t>
+              <a:t>9/11/2025</a:t>
             </a:fld>
             <a:endParaRPr lang="en-US"/>
           </a:p>
@@ -4963,7 +4963,7 @@
             <a:fld id="{B6D41BCC-AD73-4203-A5A6-E62EB28B0FE6}" type="datetimeFigureOut">
               <a:rPr lang="en-US" smtClean="0"/>
               <a:pPr/>
-              <a:t>8/26/2024</a:t>
+              <a:t>9/11/2025</a:t>
             </a:fld>
             <a:endParaRPr lang="en-US"/>
           </a:p>
@@ -6555,6 +6555,179 @@
           </p:txBody>
         </p:sp>
       </p:grpSp>
+      <p:sp>
+        <p:nvSpPr>
+          <p:cNvPr id="15" name="Rectangle 14"/>
+          <p:cNvSpPr/>
+          <p:nvPr/>
+        </p:nvSpPr>
+        <p:spPr>
+          <a:xfrm>
+            <a:off x="8911525" y="5781051"/>
+            <a:ext cx="3485015" cy="276999"/>
+          </a:xfrm>
+          <a:prstGeom prst="rect">
+            <a:avLst/>
+          </a:prstGeom>
+        </p:spPr>
+        <p:txBody>
+          <a:bodyPr wrap="square">
+            <a:spAutoFit/>
+          </a:bodyPr>
+          <a:lstStyle/>
+          <a:p>
+            <a:r>
+              <a:rPr lang="en-US" sz="1200" dirty="0"/>
+              <a:t>https://www.youtube.com/@AmelOline/videos</a:t>
+            </a:r>
+          </a:p>
+        </p:txBody>
+      </p:sp>
+      <p:sp>
+        <p:nvSpPr>
+          <p:cNvPr id="16" name="Rectangle 15"/>
+          <p:cNvSpPr/>
+          <p:nvPr/>
+        </p:nvSpPr>
+        <p:spPr>
+          <a:xfrm>
+            <a:off x="10027402" y="5596385"/>
+            <a:ext cx="2164597" cy="276999"/>
+          </a:xfrm>
+          <a:prstGeom prst="rect">
+            <a:avLst/>
+          </a:prstGeom>
+        </p:spPr>
+        <p:txBody>
+          <a:bodyPr wrap="square">
+            <a:spAutoFit/>
+          </a:bodyPr>
+          <a:lstStyle/>
+          <a:p>
+            <a:r>
+              <a:rPr lang="en-US" sz="1200" dirty="0"/>
+              <a:t>https://github.com/siagianp</a:t>
+            </a:r>
+          </a:p>
+        </p:txBody>
+      </p:sp>
+      <p:sp>
+        <p:nvSpPr>
+          <p:cNvPr id="17" name="Rectangle 16"/>
+          <p:cNvSpPr/>
+          <p:nvPr/>
+        </p:nvSpPr>
+        <p:spPr>
+          <a:xfrm>
+            <a:off x="7609668" y="5965717"/>
+            <a:ext cx="4889592" cy="276999"/>
+          </a:xfrm>
+          <a:prstGeom prst="rect">
+            <a:avLst/>
+          </a:prstGeom>
+        </p:spPr>
+        <p:txBody>
+          <a:bodyPr wrap="square">
+            <a:spAutoFit/>
+          </a:bodyPr>
+          <a:lstStyle/>
+          <a:p>
+            <a:r>
+              <a:rPr lang="en-US" sz="1200" dirty="0"/>
+              <a:t>https</a:t>
+            </a:r>
+            <a:r>
+              <a:rPr lang="en-US" sz="1200" dirty="0" smtClean="0"/>
+              <a:t>://github.com/amelcharolinesgn2/IoT_simulator-mqtt-NodeRed</a:t>
+            </a:r>
+            <a:endParaRPr lang="en-US" sz="1200" dirty="0"/>
+          </a:p>
+        </p:txBody>
+      </p:sp>
+      <p:sp>
+        <p:nvSpPr>
+          <p:cNvPr id="18" name="Rectangle 17"/>
+          <p:cNvSpPr/>
+          <p:nvPr/>
+        </p:nvSpPr>
+        <p:spPr>
+          <a:xfrm>
+            <a:off x="8203920" y="6150383"/>
+            <a:ext cx="3988079" cy="276999"/>
+          </a:xfrm>
+          <a:prstGeom prst="rect">
+            <a:avLst/>
+          </a:prstGeom>
+        </p:spPr>
+        <p:txBody>
+          <a:bodyPr wrap="none">
+            <a:spAutoFit/>
+          </a:bodyPr>
+          <a:lstStyle/>
+          <a:p>
+            <a:r>
+              <a:rPr lang="en-US" sz="1200" dirty="0"/>
+              <a:t>https://github.com/amelcharolinesgn2/Cloud-Infrastructures</a:t>
+            </a:r>
+          </a:p>
+        </p:txBody>
+      </p:sp>
+      <p:sp>
+        <p:nvSpPr>
+          <p:cNvPr id="19" name="Rectangle 18"/>
+          <p:cNvSpPr/>
+          <p:nvPr/>
+        </p:nvSpPr>
+        <p:spPr>
+          <a:xfrm>
+            <a:off x="7433733" y="6335050"/>
+            <a:ext cx="5022914" cy="276999"/>
+          </a:xfrm>
+          <a:prstGeom prst="rect">
+            <a:avLst/>
+          </a:prstGeom>
+        </p:spPr>
+        <p:txBody>
+          <a:bodyPr wrap="square">
+            <a:spAutoFit/>
+          </a:bodyPr>
+          <a:lstStyle/>
+          <a:p>
+            <a:r>
+              <a:rPr lang="en-US" sz="1200" dirty="0"/>
+              <a:t>https://github.com/amelcharolinesgn2/ClouD-Infrastructure-SISKA-2025</a:t>
+            </a:r>
+          </a:p>
+        </p:txBody>
+      </p:sp>
+      <p:sp>
+        <p:nvSpPr>
+          <p:cNvPr id="20" name="Rectangle 19"/>
+          <p:cNvSpPr/>
+          <p:nvPr/>
+        </p:nvSpPr>
+        <p:spPr>
+          <a:xfrm>
+            <a:off x="8146404" y="6503163"/>
+            <a:ext cx="4045595" cy="276999"/>
+          </a:xfrm>
+          <a:prstGeom prst="rect">
+            <a:avLst/>
+          </a:prstGeom>
+        </p:spPr>
+        <p:txBody>
+          <a:bodyPr wrap="none">
+            <a:spAutoFit/>
+          </a:bodyPr>
+          <a:lstStyle/>
+          <a:p>
+            <a:r>
+              <a:rPr lang="en-US" sz="1200" dirty="0"/>
+              <a:t>https://github.com/amelcharolinesgn2/IoT_app-and-Modules</a:t>
+            </a:r>
+          </a:p>
+        </p:txBody>
+      </p:sp>
     </p:spTree>
     <p:extLst>
       <p:ext uri="{BB962C8B-B14F-4D97-AF65-F5344CB8AC3E}">
@@ -6565,6 +6738,13 @@
   <p:clrMapOvr>
     <a:masterClrMapping/>
   </p:clrMapOvr>
+  <p:timing>
+    <p:tnLst>
+      <p:par>
+        <p:cTn id="1" dur="indefinite" restart="never" nodeType="tmRoot"/>
+      </p:par>
+    </p:tnLst>
+  </p:timing>
 </p:sld>
 </file>
 
@@ -10474,6 +10654,13 @@
   <p:clrMapOvr>
     <a:masterClrMapping/>
   </p:clrMapOvr>
+  <p:timing>
+    <p:tnLst>
+      <p:par>
+        <p:cTn id="1" dur="indefinite" restart="never" nodeType="tmRoot"/>
+      </p:par>
+    </p:tnLst>
+  </p:timing>
 </p:sld>
 </file>
 
